--- a/Lending Club Case Study.pptx
+++ b/Lending Club Case Study.pptx
@@ -1354,7 +1354,7 @@
           <a:p>
             <a:fld id="{1EBEDD12-BCD5-485B-BCBC-34BB01D7923C}" type="datetimeFigureOut">
               <a:rPr lang="en-US" smtClean="0"/>
-              <a:t>8/20/2024</a:t>
+              <a:t>8/21/2024</a:t>
             </a:fld>
             <a:endParaRPr lang="en-US" dirty="0"/>
           </a:p>
@@ -1568,7 +1568,7 @@
           <a:p>
             <a:fld id="{6EE7A52F-9D89-7442-A8E9-48D1527B5F6B}" type="datetimeFigureOut">
               <a:rPr lang="en-US" smtClean="0"/>
-              <a:t>8/20/2024</a:t>
+              <a:t>8/21/2024</a:t>
             </a:fld>
             <a:endParaRPr lang="en-US" dirty="0"/>
           </a:p>
@@ -17418,7 +17418,7 @@
         <p:spPr>
           <a:xfrm>
             <a:off x="1125989" y="2357137"/>
-            <a:ext cx="10441171" cy="3693319"/>
+            <a:ext cx="10441171" cy="4401205"/>
           </a:xfrm>
           <a:prstGeom prst="rect">
             <a:avLst/>
@@ -17435,7 +17435,25 @@
               <a:buFont typeface="Arial" panose="020B0604020202020204" pitchFamily="34" charset="0"/>
               <a:buChar char="•"/>
             </a:pPr>
-            <a:endParaRPr lang="en-US" b="1" i="0" dirty="0">
+            <a:r>
+              <a:rPr lang="en-US" sz="1400" i="0" dirty="0">
+                <a:solidFill>
+                  <a:schemeClr val="bg1"/>
+                </a:solidFill>
+                <a:effectLst/>
+                <a:highlight>
+                  <a:srgbClr val="FFFFFF"/>
+                </a:highlight>
+              </a:rPr>
+              <a:t>Loans approved should have lower interest Rate. Amounts loaned at higher interest rates(typically more than 13.5%) are mostly charged-off.</a:t>
+            </a:r>
+          </a:p>
+          <a:p>
+            <a:pPr marL="285750" indent="-285750" algn="l">
+              <a:buFont typeface="Arial" panose="020B0604020202020204" pitchFamily="34" charset="0"/>
+              <a:buChar char="•"/>
+            </a:pPr>
+            <a:endParaRPr lang="en-US" sz="1400" i="0" dirty="0">
               <a:solidFill>
                 <a:schemeClr val="bg1"/>
               </a:solidFill>
@@ -17451,49 +17469,7 @@
               <a:buChar char="•"/>
             </a:pPr>
             <a:r>
-              <a:rPr lang="en-US" b="0" i="0" dirty="0">
-                <a:solidFill>
-                  <a:schemeClr val="bg1"/>
-                </a:solidFill>
-                <a:effectLst/>
-                <a:highlight>
-                  <a:srgbClr val="FFFFFF"/>
-                </a:highlight>
-              </a:rPr>
-              <a:t>From all the above findings we could come to the following set of information that can help during Loan Approval </a:t>
-            </a:r>
-            <a:r>
-              <a:rPr lang="en-US" b="0" i="0" dirty="0" err="1">
-                <a:solidFill>
-                  <a:schemeClr val="bg1"/>
-                </a:solidFill>
-                <a:effectLst/>
-                <a:highlight>
-                  <a:srgbClr val="FFFFFF"/>
-                </a:highlight>
-              </a:rPr>
-              <a:t>Decisions.Loans</a:t>
-            </a:r>
-            <a:r>
-              <a:rPr lang="en-US" b="0" i="0" dirty="0">
-                <a:solidFill>
-                  <a:schemeClr val="bg1"/>
-                </a:solidFill>
-                <a:effectLst/>
-                <a:highlight>
-                  <a:srgbClr val="FFFFFF"/>
-                </a:highlight>
-              </a:rPr>
-              <a:t> approved should have lower interest Rate. Amounts loaned at higher interest rates(typically more than 13.5%) are mostly charged-off.</a:t>
-            </a:r>
-          </a:p>
-          <a:p>
-            <a:pPr marL="285750" indent="-285750" algn="l">
-              <a:buFont typeface="Arial" panose="020B0604020202020204" pitchFamily="34" charset="0"/>
-              <a:buChar char="•"/>
-            </a:pPr>
-            <a:r>
-              <a:rPr lang="en-US" b="0" i="0" dirty="0">
+              <a:rPr lang="en-US" sz="1400" i="0" dirty="0">
                 <a:solidFill>
                   <a:schemeClr val="bg1"/>
                 </a:solidFill>
@@ -17510,8 +17486,23 @@
               <a:buFont typeface="Arial" panose="020B0604020202020204" pitchFamily="34" charset="0"/>
               <a:buChar char="•"/>
             </a:pPr>
-            <a:r>
-              <a:rPr lang="en-US" b="0" i="0" dirty="0">
+            <a:endParaRPr lang="en-US" sz="1400" i="0" dirty="0">
+              <a:solidFill>
+                <a:schemeClr val="bg1"/>
+              </a:solidFill>
+              <a:effectLst/>
+              <a:highlight>
+                <a:srgbClr val="FFFFFF"/>
+              </a:highlight>
+            </a:endParaRPr>
+          </a:p>
+          <a:p>
+            <a:pPr marL="285750" indent="-285750" algn="l">
+              <a:buFont typeface="Arial" panose="020B0604020202020204" pitchFamily="34" charset="0"/>
+              <a:buChar char="•"/>
+            </a:pPr>
+            <a:r>
+              <a:rPr lang="en-US" sz="1400" i="0" dirty="0">
                 <a:solidFill>
                   <a:schemeClr val="bg1"/>
                 </a:solidFill>
@@ -17528,8 +17519,23 @@
               <a:buFont typeface="Arial" panose="020B0604020202020204" pitchFamily="34" charset="0"/>
               <a:buChar char="•"/>
             </a:pPr>
-            <a:r>
-              <a:rPr lang="en-US" b="0" i="0" dirty="0">
+            <a:endParaRPr lang="en-US" sz="1400" i="0" dirty="0">
+              <a:solidFill>
+                <a:schemeClr val="bg1"/>
+              </a:solidFill>
+              <a:effectLst/>
+              <a:highlight>
+                <a:srgbClr val="FFFFFF"/>
+              </a:highlight>
+            </a:endParaRPr>
+          </a:p>
+          <a:p>
+            <a:pPr marL="285750" indent="-285750" algn="l">
+              <a:buFont typeface="Arial" panose="020B0604020202020204" pitchFamily="34" charset="0"/>
+              <a:buChar char="•"/>
+            </a:pPr>
+            <a:r>
+              <a:rPr lang="en-US" sz="1400" i="0" dirty="0">
                 <a:solidFill>
                   <a:schemeClr val="bg1"/>
                 </a:solidFill>
@@ -17538,7 +17544,7 @@
                   <a:srgbClr val="FFFFFF"/>
                 </a:highlight>
               </a:rPr>
-              <a:t>Investments on Renewable Energy should be increased, and Debt Consolidation should be reduced.</a:t>
+              <a:t>Number of loans defaulted is lesser in count for housing loan customers who owns the house while it is more for the ones with rented or mortgaged properties.</a:t>
             </a:r>
           </a:p>
           <a:p>
@@ -17546,8 +17552,89 @@
               <a:buFont typeface="Arial" panose="020B0604020202020204" pitchFamily="34" charset="0"/>
               <a:buChar char="•"/>
             </a:pPr>
-            <a:r>
-              <a:rPr lang="en-US" b="0" i="0" dirty="0">
+            <a:endParaRPr lang="en-US" sz="1400" i="0" dirty="0">
+              <a:solidFill>
+                <a:schemeClr val="bg1"/>
+              </a:solidFill>
+              <a:effectLst/>
+              <a:highlight>
+                <a:srgbClr val="FFFFFF"/>
+              </a:highlight>
+            </a:endParaRPr>
+          </a:p>
+          <a:p>
+            <a:pPr marL="285750" indent="-285750" algn="l">
+              <a:buFont typeface="Arial" panose="020B0604020202020204" pitchFamily="34" charset="0"/>
+              <a:buChar char="•"/>
+            </a:pPr>
+            <a:r>
+              <a:rPr lang="en-US" sz="1400" i="0" dirty="0">
+                <a:solidFill>
+                  <a:schemeClr val="bg1"/>
+                </a:solidFill>
+                <a:effectLst/>
+                <a:highlight>
+                  <a:srgbClr val="FFFFFF"/>
+                </a:highlight>
+              </a:rPr>
+              <a:t>Short term(36 months) loans are defaulted more often than long term loans(60 months).</a:t>
+            </a:r>
+          </a:p>
+          <a:p>
+            <a:pPr marL="285750" indent="-285750" algn="l">
+              <a:buFont typeface="Arial" panose="020B0604020202020204" pitchFamily="34" charset="0"/>
+              <a:buChar char="•"/>
+            </a:pPr>
+            <a:endParaRPr lang="en-US" sz="1400" i="0" dirty="0">
+              <a:solidFill>
+                <a:schemeClr val="bg1"/>
+              </a:solidFill>
+              <a:effectLst/>
+              <a:highlight>
+                <a:srgbClr val="FFFFFF"/>
+              </a:highlight>
+            </a:endParaRPr>
+          </a:p>
+          <a:p>
+            <a:pPr marL="285750" indent="-285750" algn="l">
+              <a:buFont typeface="Arial" panose="020B0604020202020204" pitchFamily="34" charset="0"/>
+              <a:buChar char="•"/>
+            </a:pPr>
+            <a:r>
+              <a:rPr lang="en-US" sz="1400" i="0" dirty="0">
+                <a:solidFill>
+                  <a:schemeClr val="bg1"/>
+                </a:solidFill>
+                <a:effectLst/>
+                <a:highlight>
+                  <a:srgbClr val="FFFFFF"/>
+                </a:highlight>
+              </a:rPr>
+              <a:t>Investments on Renewable Energy should be increased and Debt Consolidation should be reduced.</a:t>
+            </a:r>
+          </a:p>
+          <a:p>
+            <a:pPr marL="285750" indent="-285750" algn="l">
+              <a:buFont typeface="Arial" panose="020B0604020202020204" pitchFamily="34" charset="0"/>
+              <a:buChar char="•"/>
+            </a:pPr>
+            <a:endParaRPr lang="en-US" sz="1400" i="0" dirty="0">
+              <a:solidFill>
+                <a:schemeClr val="bg1"/>
+              </a:solidFill>
+              <a:effectLst/>
+              <a:highlight>
+                <a:srgbClr val="FFFFFF"/>
+              </a:highlight>
+            </a:endParaRPr>
+          </a:p>
+          <a:p>
+            <a:pPr marL="285750" indent="-285750" algn="l">
+              <a:buFont typeface="Arial" panose="020B0604020202020204" pitchFamily="34" charset="0"/>
+              <a:buChar char="•"/>
+            </a:pPr>
+            <a:r>
+              <a:rPr lang="en-US" sz="1400" i="0" dirty="0">
                 <a:solidFill>
                   <a:schemeClr val="bg1"/>
                 </a:solidFill>
@@ -17564,8 +17651,23 @@
               <a:buFont typeface="Arial" panose="020B0604020202020204" pitchFamily="34" charset="0"/>
               <a:buChar char="•"/>
             </a:pPr>
-            <a:r>
-              <a:rPr lang="en-US" b="0" i="0" dirty="0">
+            <a:endParaRPr lang="en-US" sz="1400" i="0" dirty="0">
+              <a:solidFill>
+                <a:schemeClr val="bg1"/>
+              </a:solidFill>
+              <a:effectLst/>
+              <a:highlight>
+                <a:srgbClr val="FFFFFF"/>
+              </a:highlight>
+            </a:endParaRPr>
+          </a:p>
+          <a:p>
+            <a:pPr marL="285750" indent="-285750" algn="l">
+              <a:buFont typeface="Arial" panose="020B0604020202020204" pitchFamily="34" charset="0"/>
+              <a:buChar char="•"/>
+            </a:pPr>
+            <a:r>
+              <a:rPr lang="en-US" sz="1400" i="0" dirty="0">
                 <a:solidFill>
                   <a:schemeClr val="bg1"/>
                 </a:solidFill>
@@ -17582,8 +17684,23 @@
               <a:buFont typeface="Arial" panose="020B0604020202020204" pitchFamily="34" charset="0"/>
               <a:buChar char="•"/>
             </a:pPr>
-            <a:r>
-              <a:rPr lang="en-US" b="0" i="0" dirty="0">
+            <a:endParaRPr lang="en-US" sz="1400" i="0" dirty="0">
+              <a:solidFill>
+                <a:schemeClr val="bg1"/>
+              </a:solidFill>
+              <a:effectLst/>
+              <a:highlight>
+                <a:srgbClr val="FFFFFF"/>
+              </a:highlight>
+            </a:endParaRPr>
+          </a:p>
+          <a:p>
+            <a:pPr marL="285750" indent="-285750" algn="l">
+              <a:buFont typeface="Arial" panose="020B0604020202020204" pitchFamily="34" charset="0"/>
+              <a:buChar char="•"/>
+            </a:pPr>
+            <a:r>
+              <a:rPr lang="en-US" sz="1400" i="0" dirty="0">
                 <a:solidFill>
                   <a:schemeClr val="bg1"/>
                 </a:solidFill>
@@ -20311,12 +20428,23 @@
 </file>
 
 <file path=customXml/item1.xml><?xml version="1.0" encoding="utf-8"?>
-<?mso-contentType ?>
-<FormTemplates xmlns="http://schemas.microsoft.com/sharepoint/v3/contenttype/forms">
-  <Display>DocumentLibraryForm</Display>
-  <Edit>DocumentLibraryForm</Edit>
-  <New>DocumentLibraryForm</New>
-</FormTemplates>
+<p:properties xmlns:p="http://schemas.microsoft.com/office/2006/metadata/properties" xmlns:xsi="http://www.w3.org/2001/XMLSchema-instance" xmlns:pc="http://schemas.microsoft.com/office/infopath/2007/PartnerControls">
+  <documentManagement>
+    <Background xmlns="71af3243-3dd4-4a8d-8c0d-dd76da1f02a5">false</Background>
+    <Status xmlns="71af3243-3dd4-4a8d-8c0d-dd76da1f02a5">Not started</Status>
+    <_ip_UnifiedCompliancePolicyUIAction xmlns="http://schemas.microsoft.com/sharepoint/v3" xsi:nil="true"/>
+    <Image xmlns="71af3243-3dd4-4a8d-8c0d-dd76da1f02a5">
+      <Url xsi:nil="true"/>
+      <Description xsi:nil="true"/>
+    </Image>
+    <_ip_UnifiedCompliancePolicyProperties xmlns="http://schemas.microsoft.com/sharepoint/v3" xsi:nil="true"/>
+    <ImageTagsTaxHTField xmlns="71af3243-3dd4-4a8d-8c0d-dd76da1f02a5">
+      <Terms xmlns="http://schemas.microsoft.com/office/infopath/2007/PartnerControls"/>
+    </ImageTagsTaxHTField>
+    <TaxCatchAll xmlns="230e9df3-be65-4c73-a93b-d1236ebd677e" xsi:nil="true"/>
+    <MediaServiceKeyPoints xmlns="71af3243-3dd4-4a8d-8c0d-dd76da1f02a5" xsi:nil="true"/>
+  </documentManagement>
+</p:properties>
 </file>
 
 <file path=customXml/item2.xml><?xml version="1.0" encoding="utf-8"?>
@@ -20632,29 +20760,22 @@
 </file>
 
 <file path=customXml/item3.xml><?xml version="1.0" encoding="utf-8"?>
-<p:properties xmlns:p="http://schemas.microsoft.com/office/2006/metadata/properties" xmlns:xsi="http://www.w3.org/2001/XMLSchema-instance" xmlns:pc="http://schemas.microsoft.com/office/infopath/2007/PartnerControls">
-  <documentManagement>
-    <Background xmlns="71af3243-3dd4-4a8d-8c0d-dd76da1f02a5">false</Background>
-    <Status xmlns="71af3243-3dd4-4a8d-8c0d-dd76da1f02a5">Not started</Status>
-    <_ip_UnifiedCompliancePolicyUIAction xmlns="http://schemas.microsoft.com/sharepoint/v3" xsi:nil="true"/>
-    <Image xmlns="71af3243-3dd4-4a8d-8c0d-dd76da1f02a5">
-      <Url xsi:nil="true"/>
-      <Description xsi:nil="true"/>
-    </Image>
-    <_ip_UnifiedCompliancePolicyProperties xmlns="http://schemas.microsoft.com/sharepoint/v3" xsi:nil="true"/>
-    <ImageTagsTaxHTField xmlns="71af3243-3dd4-4a8d-8c0d-dd76da1f02a5">
-      <Terms xmlns="http://schemas.microsoft.com/office/infopath/2007/PartnerControls"/>
-    </ImageTagsTaxHTField>
-    <TaxCatchAll xmlns="230e9df3-be65-4c73-a93b-d1236ebd677e" xsi:nil="true"/>
-    <MediaServiceKeyPoints xmlns="71af3243-3dd4-4a8d-8c0d-dd76da1f02a5" xsi:nil="true"/>
-  </documentManagement>
-</p:properties>
+<?mso-contentType ?>
+<FormTemplates xmlns="http://schemas.microsoft.com/sharepoint/v3/contenttype/forms">
+  <Display>DocumentLibraryForm</Display>
+  <Edit>DocumentLibraryForm</Edit>
+  <New>DocumentLibraryForm</New>
+</FormTemplates>
 </file>
 
 <file path=customXml/itemProps1.xml><?xml version="1.0" encoding="utf-8"?>
-<ds:datastoreItem xmlns:ds="http://schemas.openxmlformats.org/officeDocument/2006/customXml" ds:itemID="{C21FFAC0-05A2-416A-B06C-C248395482CF}">
+<ds:datastoreItem xmlns:ds="http://schemas.openxmlformats.org/officeDocument/2006/customXml" ds:itemID="{4F4B194E-8B30-4377-8C59-ECFB902D2A26}">
   <ds:schemaRefs>
-    <ds:schemaRef ds:uri="http://schemas.microsoft.com/sharepoint/v3/contenttype/forms"/>
+    <ds:schemaRef ds:uri="http://schemas.microsoft.com/office/2006/metadata/properties"/>
+    <ds:schemaRef ds:uri="http://schemas.microsoft.com/office/infopath/2007/PartnerControls"/>
+    <ds:schemaRef ds:uri="71af3243-3dd4-4a8d-8c0d-dd76da1f02a5"/>
+    <ds:schemaRef ds:uri="http://schemas.microsoft.com/sharepoint/v3"/>
+    <ds:schemaRef ds:uri="230e9df3-be65-4c73-a93b-d1236ebd677e"/>
   </ds:schemaRefs>
 </ds:datastoreItem>
 </file>
@@ -20681,13 +20802,9 @@
 </file>
 
 <file path=customXml/itemProps3.xml><?xml version="1.0" encoding="utf-8"?>
-<ds:datastoreItem xmlns:ds="http://schemas.openxmlformats.org/officeDocument/2006/customXml" ds:itemID="{4F4B194E-8B30-4377-8C59-ECFB902D2A26}">
+<ds:datastoreItem xmlns:ds="http://schemas.openxmlformats.org/officeDocument/2006/customXml" ds:itemID="{C21FFAC0-05A2-416A-B06C-C248395482CF}">
   <ds:schemaRefs>
-    <ds:schemaRef ds:uri="http://schemas.microsoft.com/office/2006/metadata/properties"/>
-    <ds:schemaRef ds:uri="http://schemas.microsoft.com/office/infopath/2007/PartnerControls"/>
-    <ds:schemaRef ds:uri="71af3243-3dd4-4a8d-8c0d-dd76da1f02a5"/>
-    <ds:schemaRef ds:uri="http://schemas.microsoft.com/sharepoint/v3"/>
-    <ds:schemaRef ds:uri="230e9df3-be65-4c73-a93b-d1236ebd677e"/>
+    <ds:schemaRef ds:uri="http://schemas.microsoft.com/sharepoint/v3/contenttype/forms"/>
   </ds:schemaRefs>
 </ds:datastoreItem>
 </file>
